--- a/_self/_for_studying/_lab_applying/_ICS_UNIVER/_cv_for_study_updated - Copy.pptx
+++ b/_self/_for_studying/_lab_applying/_ICS_UNIVER/_cv_for_study_updated - Copy.pptx
@@ -1173,7 +1173,7 @@
           </a:ln>
           <a:extLst>
             <a:ext uri="{C572A759-6A51-4108-AA02-DFA0A04FC94B}">
-              <ma14:wrappingTextBoxFlag xmlns:ma14="http://schemas.microsoft.com/office/mac/drawingml/2011/main" xmlns:a14="http://schemas.microsoft.com/office/drawing/2010/main" xmlns:m="http://schemas.openxmlformats.org/officeDocument/2006/math" xmlns="" val="1"/>
+              <ma14:wrappingTextBoxFlag xmlns="" xmlns:m="http://schemas.openxmlformats.org/officeDocument/2006/math" xmlns:a14="http://schemas.microsoft.com/office/drawing/2010/main" xmlns:ma14="http://schemas.microsoft.com/office/mac/drawingml/2011/main" val="1"/>
             </a:ext>
           </a:extLst>
         </p:spPr>
@@ -1520,7 +1520,7 @@
           </a:ln>
           <a:extLst>
             <a:ext uri="{C572A759-6A51-4108-AA02-DFA0A04FC94B}">
-              <ma14:wrappingTextBoxFlag xmlns:ma14="http://schemas.microsoft.com/office/mac/drawingml/2011/main" xmlns:a14="http://schemas.microsoft.com/office/drawing/2010/main" xmlns:m="http://schemas.openxmlformats.org/officeDocument/2006/math" xmlns="" val="1"/>
+              <ma14:wrappingTextBoxFlag xmlns="" xmlns:m="http://schemas.openxmlformats.org/officeDocument/2006/math" xmlns:a14="http://schemas.microsoft.com/office/drawing/2010/main" xmlns:ma14="http://schemas.microsoft.com/office/mac/drawingml/2011/main" val="1"/>
             </a:ext>
           </a:extLst>
         </p:spPr>
@@ -2560,7 +2560,7 @@
             </a:ln>
             <a:extLst>
               <a:ext uri="{C572A759-6A51-4108-AA02-DFA0A04FC94B}">
-                <ma14:wrappingTextBoxFlag xmlns:ma14="http://schemas.microsoft.com/office/mac/drawingml/2011/main" xmlns:a14="http://schemas.microsoft.com/office/drawing/2010/main" xmlns:m="http://schemas.openxmlformats.org/officeDocument/2006/math" xmlns="" val="1"/>
+                <ma14:wrappingTextBoxFlag xmlns="" xmlns:m="http://schemas.openxmlformats.org/officeDocument/2006/math" xmlns:a14="http://schemas.microsoft.com/office/drawing/2010/main" xmlns:ma14="http://schemas.microsoft.com/office/mac/drawingml/2011/main" val="1"/>
               </a:ext>
             </a:extLst>
           </p:spPr>
@@ -2816,7 +2816,7 @@
             </a:ln>
             <a:extLst>
               <a:ext uri="{C572A759-6A51-4108-AA02-DFA0A04FC94B}">
-                <ma14:wrappingTextBoxFlag xmlns:ma14="http://schemas.microsoft.com/office/mac/drawingml/2011/main" xmlns:a14="http://schemas.microsoft.com/office/drawing/2010/main" xmlns:m="http://schemas.openxmlformats.org/officeDocument/2006/math" xmlns="" val="1"/>
+                <ma14:wrappingTextBoxFlag xmlns="" xmlns:m="http://schemas.openxmlformats.org/officeDocument/2006/math" xmlns:a14="http://schemas.microsoft.com/office/drawing/2010/main" xmlns:ma14="http://schemas.microsoft.com/office/mac/drawingml/2011/main" val="1"/>
               </a:ext>
             </a:extLst>
           </p:spPr>
@@ -2864,7 +2864,7 @@
             </a:ln>
             <a:extLst>
               <a:ext uri="{C572A759-6A51-4108-AA02-DFA0A04FC94B}">
-                <ma14:wrappingTextBoxFlag xmlns:ma14="http://schemas.microsoft.com/office/mac/drawingml/2011/main" xmlns:a14="http://schemas.microsoft.com/office/drawing/2010/main" xmlns:m="http://schemas.openxmlformats.org/officeDocument/2006/math" xmlns="" val="1"/>
+                <ma14:wrappingTextBoxFlag xmlns="" xmlns:m="http://schemas.openxmlformats.org/officeDocument/2006/math" xmlns:a14="http://schemas.microsoft.com/office/drawing/2010/main" xmlns:ma14="http://schemas.microsoft.com/office/mac/drawingml/2011/main" val="1"/>
               </a:ext>
             </a:extLst>
           </p:spPr>
@@ -2939,7 +2939,7 @@
             </a:ln>
             <a:extLst>
               <a:ext uri="{C572A759-6A51-4108-AA02-DFA0A04FC94B}">
-                <ma14:wrappingTextBoxFlag xmlns:ma14="http://schemas.microsoft.com/office/mac/drawingml/2011/main" xmlns:a14="http://schemas.microsoft.com/office/drawing/2010/main" xmlns:m="http://schemas.openxmlformats.org/officeDocument/2006/math" xmlns="" val="1"/>
+                <ma14:wrappingTextBoxFlag xmlns="" xmlns:m="http://schemas.openxmlformats.org/officeDocument/2006/math" xmlns:a14="http://schemas.microsoft.com/office/drawing/2010/main" xmlns:ma14="http://schemas.microsoft.com/office/mac/drawingml/2011/main" val="1"/>
               </a:ext>
             </a:extLst>
           </p:spPr>
@@ -2987,7 +2987,7 @@
             </a:ln>
             <a:extLst>
               <a:ext uri="{C572A759-6A51-4108-AA02-DFA0A04FC94B}">
-                <ma14:wrappingTextBoxFlag xmlns:ma14="http://schemas.microsoft.com/office/mac/drawingml/2011/main" xmlns:a14="http://schemas.microsoft.com/office/drawing/2010/main" xmlns:m="http://schemas.openxmlformats.org/officeDocument/2006/math" xmlns="" val="1"/>
+                <ma14:wrappingTextBoxFlag xmlns="" xmlns:m="http://schemas.openxmlformats.org/officeDocument/2006/math" xmlns:a14="http://schemas.microsoft.com/office/drawing/2010/main" xmlns:ma14="http://schemas.microsoft.com/office/mac/drawingml/2011/main" val="1"/>
               </a:ext>
             </a:extLst>
           </p:spPr>
@@ -3863,7 +3863,7 @@
             </a:ln>
             <a:extLst>
               <a:ext uri="{C572A759-6A51-4108-AA02-DFA0A04FC94B}">
-                <ma14:wrappingTextBoxFlag xmlns:ma14="http://schemas.microsoft.com/office/mac/drawingml/2011/main" xmlns:a14="http://schemas.microsoft.com/office/drawing/2010/main" xmlns:m="http://schemas.openxmlformats.org/officeDocument/2006/math" xmlns="" val="1"/>
+                <ma14:wrappingTextBoxFlag xmlns="" xmlns:m="http://schemas.openxmlformats.org/officeDocument/2006/math" xmlns:a14="http://schemas.microsoft.com/office/drawing/2010/main" xmlns:ma14="http://schemas.microsoft.com/office/mac/drawingml/2011/main" val="1"/>
               </a:ext>
             </a:extLst>
           </p:spPr>
@@ -4015,30 +4015,6 @@
                   <a:spcPct val="120000"/>
                 </a:lnSpc>
               </a:pPr>
-              <a:r>
-                <a:rPr lang="en-US" sz="831" dirty="0">
-                  <a:solidFill>
-                    <a:schemeClr val="tx1"/>
-                  </a:solidFill>
-                  <a:latin typeface="Arial" panose="020B0604020202020204" pitchFamily="34" charset="0"/>
-                  <a:ea typeface="Calibri" panose="020F0502020204030204" pitchFamily="34" charset="0"/>
-                  <a:cs typeface="Arial" panose="020B0604020202020204" pitchFamily="34" charset="0"/>
-                  <a:sym typeface="Helvetica Neue Medium"/>
-                </a:rPr>
-                <a:t>GPA</a:t>
-              </a:r>
-              <a:r>
-                <a:rPr lang="en-US" sz="831" b="0" dirty="0">
-                  <a:solidFill>
-                    <a:schemeClr val="tx1"/>
-                  </a:solidFill>
-                  <a:latin typeface="Arial" panose="020B0604020202020204" pitchFamily="34" charset="0"/>
-                  <a:ea typeface="Calibri" panose="020F0502020204030204" pitchFamily="34" charset="0"/>
-                  <a:cs typeface="Arial" panose="020B0604020202020204" pitchFamily="34" charset="0"/>
-                  <a:sym typeface="Helvetica Neue Medium"/>
-                </a:rPr>
-                <a:t>: 6.48, </a:t>
-              </a:r>
               <a:r>
                 <a:rPr lang="en-US" sz="831" dirty="0">
                   <a:solidFill>
@@ -4261,7 +4237,7 @@
             </a:ln>
             <a:extLst>
               <a:ext uri="{C572A759-6A51-4108-AA02-DFA0A04FC94B}">
-                <ma14:wrappingTextBoxFlag xmlns:ma14="http://schemas.microsoft.com/office/mac/drawingml/2011/main" xmlns:a14="http://schemas.microsoft.com/office/drawing/2010/main" xmlns:m="http://schemas.openxmlformats.org/officeDocument/2006/math" xmlns="" val="1"/>
+                <ma14:wrappingTextBoxFlag xmlns="" xmlns:m="http://schemas.openxmlformats.org/officeDocument/2006/math" xmlns:a14="http://schemas.microsoft.com/office/drawing/2010/main" xmlns:ma14="http://schemas.microsoft.com/office/mac/drawingml/2011/main" val="1"/>
               </a:ext>
             </a:extLst>
           </p:spPr>
@@ -4939,7 +4915,7 @@
             </a:ln>
             <a:extLst>
               <a:ext uri="{C572A759-6A51-4108-AA02-DFA0A04FC94B}">
-                <ma14:wrappingTextBoxFlag xmlns:ma14="http://schemas.microsoft.com/office/mac/drawingml/2011/main" xmlns:a14="http://schemas.microsoft.com/office/drawing/2010/main" xmlns:m="http://schemas.openxmlformats.org/officeDocument/2006/math" xmlns="" val="1"/>
+                <ma14:wrappingTextBoxFlag xmlns="" xmlns:m="http://schemas.openxmlformats.org/officeDocument/2006/math" xmlns:a14="http://schemas.microsoft.com/office/drawing/2010/main" xmlns:ma14="http://schemas.microsoft.com/office/mac/drawingml/2011/main" val="1"/>
               </a:ext>
             </a:extLst>
           </p:spPr>
@@ -5413,7 +5389,7 @@
                   <a:cs typeface="Arial" panose="020B0604020202020204" pitchFamily="34" charset="0"/>
                   <a:sym typeface="Helvetica Neue Medium"/>
                 </a:rPr>
-                <a:t>Image Processing</a:t>
+                <a:t>Networking</a:t>
               </a:r>
             </a:p>
             <a:p>
@@ -5554,7 +5530,7 @@
             </a:ln>
             <a:extLst>
               <a:ext uri="{C572A759-6A51-4108-AA02-DFA0A04FC94B}">
-                <ma14:wrappingTextBoxFlag xmlns:ma14="http://schemas.microsoft.com/office/mac/drawingml/2011/main" xmlns:a14="http://schemas.microsoft.com/office/drawing/2010/main" xmlns:m="http://schemas.openxmlformats.org/officeDocument/2006/math" xmlns="" val="1"/>
+                <ma14:wrappingTextBoxFlag xmlns="" xmlns:m="http://schemas.openxmlformats.org/officeDocument/2006/math" xmlns:a14="http://schemas.microsoft.com/office/drawing/2010/main" xmlns:ma14="http://schemas.microsoft.com/office/mac/drawingml/2011/main" val="1"/>
               </a:ext>
             </a:extLst>
           </p:spPr>
@@ -5826,7 +5802,7 @@
               </a:ln>
               <a:extLst>
                 <a:ext uri="{C572A759-6A51-4108-AA02-DFA0A04FC94B}">
-                  <ma14:wrappingTextBoxFlag xmlns:ma14="http://schemas.microsoft.com/office/mac/drawingml/2011/main" xmlns:a14="http://schemas.microsoft.com/office/drawing/2010/main" xmlns:m="http://schemas.openxmlformats.org/officeDocument/2006/math" xmlns="" val="1"/>
+                  <ma14:wrappingTextBoxFlag xmlns="" xmlns:m="http://schemas.openxmlformats.org/officeDocument/2006/math" xmlns:a14="http://schemas.microsoft.com/office/drawing/2010/main" xmlns:ma14="http://schemas.microsoft.com/office/mac/drawingml/2011/main" val="1"/>
                 </a:ext>
               </a:extLst>
             </p:spPr>
@@ -5932,7 +5908,7 @@
             </a:ln>
             <a:extLst>
               <a:ext uri="{C572A759-6A51-4108-AA02-DFA0A04FC94B}">
-                <ma14:wrappingTextBoxFlag xmlns:ma14="http://schemas.microsoft.com/office/mac/drawingml/2011/main" xmlns:a14="http://schemas.microsoft.com/office/drawing/2010/main" xmlns:m="http://schemas.openxmlformats.org/officeDocument/2006/math" xmlns="" val="1"/>
+                <ma14:wrappingTextBoxFlag xmlns="" xmlns:m="http://schemas.openxmlformats.org/officeDocument/2006/math" xmlns:a14="http://schemas.microsoft.com/office/drawing/2010/main" xmlns:ma14="http://schemas.microsoft.com/office/mac/drawingml/2011/main" val="1"/>
               </a:ext>
             </a:extLst>
           </p:spPr>
@@ -6208,7 +6184,7 @@
             </a:ln>
             <a:extLst>
               <a:ext uri="{C572A759-6A51-4108-AA02-DFA0A04FC94B}">
-                <ma14:wrappingTextBoxFlag xmlns:ma14="http://schemas.microsoft.com/office/mac/drawingml/2011/main" xmlns:a14="http://schemas.microsoft.com/office/drawing/2010/main" xmlns:m="http://schemas.openxmlformats.org/officeDocument/2006/math" xmlns="" val="1"/>
+                <ma14:wrappingTextBoxFlag xmlns="" xmlns:m="http://schemas.openxmlformats.org/officeDocument/2006/math" xmlns:a14="http://schemas.microsoft.com/office/drawing/2010/main" xmlns:ma14="http://schemas.microsoft.com/office/mac/drawingml/2011/main" val="1"/>
               </a:ext>
             </a:extLst>
           </p:spPr>
